--- a/Day 3/Slides/6. Program Flow/program-flow-slides.pptx
+++ b/Day 3/Slides/6. Program Flow/program-flow-slides.pptx
@@ -5,33 +5,33 @@
     <p:sldMasterId id="2147483648" r:id="rId1"/>
   </p:sldMasterIdLst>
   <p:notesMasterIdLst>
-    <p:notesMasterId r:id="rId27"/>
+    <p:notesMasterId r:id="rId26"/>
   </p:notesMasterIdLst>
   <p:sldIdLst>
-    <p:sldId id="256" r:id="rId3"/>
-    <p:sldId id="257" r:id="rId4"/>
-    <p:sldId id="258" r:id="rId5"/>
-    <p:sldId id="259" r:id="rId6"/>
-    <p:sldId id="260" r:id="rId7"/>
-    <p:sldId id="261" r:id="rId8"/>
-    <p:sldId id="262" r:id="rId9"/>
-    <p:sldId id="263" r:id="rId10"/>
-    <p:sldId id="264" r:id="rId11"/>
-    <p:sldId id="265" r:id="rId12"/>
-    <p:sldId id="266" r:id="rId13"/>
-    <p:sldId id="274" r:id="rId14"/>
-    <p:sldId id="276" r:id="rId15"/>
-    <p:sldId id="275" r:id="rId16"/>
-    <p:sldId id="268" r:id="rId17"/>
-    <p:sldId id="269" r:id="rId18"/>
-    <p:sldId id="270" r:id="rId19"/>
-    <p:sldId id="271" r:id="rId20"/>
-    <p:sldId id="277" r:id="rId21"/>
-    <p:sldId id="279" r:id="rId22"/>
-    <p:sldId id="273" r:id="rId23"/>
-    <p:sldId id="280" r:id="rId24"/>
-    <p:sldId id="278" r:id="rId25"/>
-    <p:sldId id="267" r:id="rId26"/>
+    <p:sldId id="256" r:id="rId2"/>
+    <p:sldId id="257" r:id="rId3"/>
+    <p:sldId id="258" r:id="rId4"/>
+    <p:sldId id="259" r:id="rId5"/>
+    <p:sldId id="260" r:id="rId6"/>
+    <p:sldId id="261" r:id="rId7"/>
+    <p:sldId id="262" r:id="rId8"/>
+    <p:sldId id="263" r:id="rId9"/>
+    <p:sldId id="264" r:id="rId10"/>
+    <p:sldId id="265" r:id="rId11"/>
+    <p:sldId id="266" r:id="rId12"/>
+    <p:sldId id="274" r:id="rId13"/>
+    <p:sldId id="276" r:id="rId14"/>
+    <p:sldId id="275" r:id="rId15"/>
+    <p:sldId id="268" r:id="rId16"/>
+    <p:sldId id="269" r:id="rId17"/>
+    <p:sldId id="270" r:id="rId18"/>
+    <p:sldId id="271" r:id="rId19"/>
+    <p:sldId id="277" r:id="rId20"/>
+    <p:sldId id="279" r:id="rId21"/>
+    <p:sldId id="273" r:id="rId22"/>
+    <p:sldId id="280" r:id="rId23"/>
+    <p:sldId id="278" r:id="rId24"/>
+    <p:sldId id="267" r:id="rId25"/>
   </p:sldIdLst>
   <p:sldSz cx="12192000" cy="6858000"/>
   <p:notesSz cx="12192000" cy="6858000"/>
@@ -127,6 +127,22 @@
       </a:defRPr>
     </a:lvl9pPr>
   </p:defaultTextStyle>
+  <p:extLst>
+    <p:ext uri="{EFAFB233-063F-42B5-8137-9DF3F51BA10A}">
+      <p15:sldGuideLst xmlns:p15="http://schemas.microsoft.com/office/powerpoint/2012/main">
+        <p15:guide id="1" orient="horz" pos="2880">
+          <p15:clr>
+            <a:srgbClr val="A4A3A4"/>
+          </p15:clr>
+        </p15:guide>
+        <p15:guide id="2" pos="2147">
+          <p15:clr>
+            <a:srgbClr val="A4A3A4"/>
+          </p15:clr>
+        </p15:guide>
+      </p15:sldGuideLst>
+    </p:ext>
+  </p:extLst>
 </p:presentation>
 </file>
 
@@ -212,6 +228,7 @@
           <a:p>
             <a:fld id="{3EFD42F7-718C-4B98-AAEC-167E6DDD60A7}" type="datetimeFigureOut">
               <a:rPr lang="en-US" smtClean="0"/>
+              <a:t>8/1/2023</a:t>
             </a:fld>
             <a:endParaRPr lang="en-US"/>
           </a:p>
@@ -275,42 +292,37 @@
           <a:p>
             <a:pPr lvl="0"/>
             <a:r>
-              <a:rPr lang="en-US" smtClean="0"/>
+              <a:rPr lang="en-US"/>
               <a:t>Click to edit Master text styles</a:t>
             </a:r>
-            <a:endParaRPr lang="en-US" smtClean="0"/>
           </a:p>
           <a:p>
             <a:pPr lvl="1"/>
             <a:r>
-              <a:rPr lang="en-US" smtClean="0"/>
+              <a:rPr lang="en-US"/>
               <a:t>Second level</a:t>
             </a:r>
-            <a:endParaRPr lang="en-US" smtClean="0"/>
           </a:p>
           <a:p>
             <a:pPr lvl="2"/>
             <a:r>
-              <a:rPr lang="en-US" smtClean="0"/>
+              <a:rPr lang="en-US"/>
               <a:t>Third level</a:t>
             </a:r>
-            <a:endParaRPr lang="en-US" smtClean="0"/>
           </a:p>
           <a:p>
             <a:pPr lvl="3"/>
             <a:r>
-              <a:rPr lang="en-US" smtClean="0"/>
+              <a:rPr lang="en-US"/>
               <a:t>Fourth level</a:t>
             </a:r>
-            <a:endParaRPr lang="en-US" smtClean="0"/>
           </a:p>
           <a:p>
             <a:pPr lvl="4"/>
             <a:r>
-              <a:rPr lang="en-US" smtClean="0"/>
+              <a:rPr lang="en-US"/>
               <a:t>Fifth level</a:t>
             </a:r>
-            <a:endParaRPr lang="en-US"/>
           </a:p>
         </p:txBody>
       </p:sp>
@@ -374,6 +386,7 @@
           <a:p>
             <a:fld id="{21B2AA4F-B828-4D7C-AFD3-893933DAFCB4}" type="slidenum">
               <a:rPr lang="en-US" smtClean="0"/>
+              <a:t>‹#›</a:t>
             </a:fld>
             <a:endParaRPr lang="en-US"/>
           </a:p>
@@ -522,7 +535,9 @@
               <a:defRPr/>
             </a:lvl1pPr>
           </a:lstStyle>
-          <a:p/>
+          <a:p>
+            <a:endParaRPr/>
+          </a:p>
         </p:txBody>
       </p:sp>
       <p:sp>
@@ -553,7 +568,9 @@
               <a:defRPr/>
             </a:lvl1pPr>
           </a:lstStyle>
-          <a:p/>
+          <a:p>
+            <a:endParaRPr/>
+          </a:p>
         </p:txBody>
       </p:sp>
       <p:sp>
@@ -580,7 +597,9 @@
               </a:defRPr>
             </a:lvl1pPr>
           </a:lstStyle>
-          <a:p/>
+          <a:p>
+            <a:endParaRPr/>
+          </a:p>
         </p:txBody>
       </p:sp>
       <p:sp>
@@ -610,6 +629,7 @@
           <a:p>
             <a:fld id="{1D8BD707-D9CF-40AE-B4C6-C98DA3205C09}" type="datetimeFigureOut">
               <a:rPr lang="en-US"/>
+              <a:t>8/1/2023</a:t>
             </a:fld>
             <a:endParaRPr lang="en-US"/>
           </a:p>
@@ -642,6 +662,7 @@
           <a:p>
             <a:fld id="{B6F15528-21DE-4FAA-801E-634DDDAF4B2B}" type="slidenum">
               <a:rPr/>
+              <a:t>‹#›</a:t>
             </a:fld>
             <a:endParaRPr/>
           </a:p>
@@ -657,7 +678,7 @@
 </file>
 
 <file path=ppt/slideLayouts/slideLayout2.xml><?xml version="1.0" encoding="utf-8"?>
-<p:sldLayout xmlns:a="http://schemas.openxmlformats.org/drawingml/2006/main" xmlns:r="http://schemas.openxmlformats.org/officeDocument/2006/relationships" xmlns:p="http://schemas.openxmlformats.org/presentationml/2006/main" type="obj" preserve="1" showMasterSp="0">
+<p:sldLayout xmlns:a="http://schemas.openxmlformats.org/drawingml/2006/main" xmlns:r="http://schemas.openxmlformats.org/officeDocument/2006/relationships" xmlns:p="http://schemas.openxmlformats.org/presentationml/2006/main" showMasterSp="0" type="obj" preserve="1">
   <p:cSld name="Title and Content">
     <p:bg>
       <p:bgPr>
@@ -726,7 +747,9 @@
         <p:txBody>
           <a:bodyPr wrap="square" lIns="0" tIns="0" rIns="0" bIns="0" rtlCol="0"/>
           <a:lstStyle/>
-          <a:p/>
+          <a:p>
+            <a:endParaRPr/>
+          </a:p>
         </p:txBody>
       </p:sp>
       <p:sp>
@@ -753,7 +776,9 @@
               </a:defRPr>
             </a:lvl1pPr>
           </a:lstStyle>
-          <a:p/>
+          <a:p>
+            <a:endParaRPr/>
+          </a:p>
         </p:txBody>
       </p:sp>
       <p:sp>
@@ -778,7 +803,9 @@
               </a:defRPr>
             </a:lvl1pPr>
           </a:lstStyle>
-          <a:p/>
+          <a:p>
+            <a:endParaRPr/>
+          </a:p>
         </p:txBody>
       </p:sp>
       <p:sp>
@@ -805,7 +832,9 @@
               </a:defRPr>
             </a:lvl1pPr>
           </a:lstStyle>
-          <a:p/>
+          <a:p>
+            <a:endParaRPr/>
+          </a:p>
         </p:txBody>
       </p:sp>
       <p:sp>
@@ -835,6 +864,7 @@
           <a:p>
             <a:fld id="{1D8BD707-D9CF-40AE-B4C6-C98DA3205C09}" type="datetimeFigureOut">
               <a:rPr lang="en-US"/>
+              <a:t>8/1/2023</a:t>
             </a:fld>
             <a:endParaRPr lang="en-US"/>
           </a:p>
@@ -867,6 +897,7 @@
           <a:p>
             <a:fld id="{B6F15528-21DE-4FAA-801E-634DDDAF4B2B}" type="slidenum">
               <a:rPr/>
+              <a:t>‹#›</a:t>
             </a:fld>
             <a:endParaRPr/>
           </a:p>
@@ -882,7 +913,7 @@
 </file>
 
 <file path=ppt/slideLayouts/slideLayout3.xml><?xml version="1.0" encoding="utf-8"?>
-<p:sldLayout xmlns:a="http://schemas.openxmlformats.org/drawingml/2006/main" xmlns:r="http://schemas.openxmlformats.org/officeDocument/2006/relationships" xmlns:p="http://schemas.openxmlformats.org/presentationml/2006/main" type="obj" preserve="1" showMasterSp="0">
+<p:sldLayout xmlns:a="http://schemas.openxmlformats.org/drawingml/2006/main" xmlns:r="http://schemas.openxmlformats.org/officeDocument/2006/relationships" xmlns:p="http://schemas.openxmlformats.org/presentationml/2006/main" showMasterSp="0" type="obj" preserve="1">
   <p:cSld name="Two Content">
     <p:bg>
       <p:bgPr>
@@ -943,7 +974,9 @@
         <p:txBody>
           <a:bodyPr wrap="square" lIns="0" tIns="0" rIns="0" bIns="0" rtlCol="0"/>
           <a:lstStyle/>
-          <a:p/>
+          <a:p>
+            <a:endParaRPr/>
+          </a:p>
         </p:txBody>
       </p:sp>
       <p:sp>
@@ -970,7 +1003,9 @@
               </a:defRPr>
             </a:lvl1pPr>
           </a:lstStyle>
-          <a:p/>
+          <a:p>
+            <a:endParaRPr/>
+          </a:p>
         </p:txBody>
       </p:sp>
       <p:sp>
@@ -1007,7 +1042,9 @@
               </a:defRPr>
             </a:lvl1pPr>
           </a:lstStyle>
-          <a:p/>
+          <a:p>
+            <a:endParaRPr/>
+          </a:p>
         </p:txBody>
       </p:sp>
       <p:sp>
@@ -1038,7 +1075,9 @@
               <a:defRPr/>
             </a:lvl1pPr>
           </a:lstStyle>
-          <a:p/>
+          <a:p>
+            <a:endParaRPr/>
+          </a:p>
         </p:txBody>
       </p:sp>
       <p:sp>
@@ -1065,7 +1104,9 @@
               </a:defRPr>
             </a:lvl1pPr>
           </a:lstStyle>
-          <a:p/>
+          <a:p>
+            <a:endParaRPr/>
+          </a:p>
         </p:txBody>
       </p:sp>
       <p:sp>
@@ -1095,6 +1136,7 @@
           <a:p>
             <a:fld id="{1D8BD707-D9CF-40AE-B4C6-C98DA3205C09}" type="datetimeFigureOut">
               <a:rPr lang="en-US"/>
+              <a:t>8/1/2023</a:t>
             </a:fld>
             <a:endParaRPr lang="en-US"/>
           </a:p>
@@ -1127,6 +1169,7 @@
           <a:p>
             <a:fld id="{B6F15528-21DE-4FAA-801E-634DDDAF4B2B}" type="slidenum">
               <a:rPr/>
+              <a:t>‹#›</a:t>
             </a:fld>
             <a:endParaRPr/>
           </a:p>
@@ -1142,7 +1185,7 @@
 </file>
 
 <file path=ppt/slideLayouts/slideLayout4.xml><?xml version="1.0" encoding="utf-8"?>
-<p:sldLayout xmlns:a="http://schemas.openxmlformats.org/drawingml/2006/main" xmlns:r="http://schemas.openxmlformats.org/officeDocument/2006/relationships" xmlns:p="http://schemas.openxmlformats.org/presentationml/2006/main" type="obj" preserve="1" showMasterSp="0">
+<p:sldLayout xmlns:a="http://schemas.openxmlformats.org/drawingml/2006/main" xmlns:r="http://schemas.openxmlformats.org/officeDocument/2006/relationships" xmlns:p="http://schemas.openxmlformats.org/presentationml/2006/main" showMasterSp="0" type="obj" preserve="1">
   <p:cSld name="Title Only">
     <p:bg>
       <p:bgPr>
@@ -1212,7 +1255,9 @@
               </a:defRPr>
             </a:lvl1pPr>
           </a:lstStyle>
-          <a:p/>
+          <a:p>
+            <a:endParaRPr/>
+          </a:p>
         </p:txBody>
       </p:sp>
       <p:sp>
@@ -1239,7 +1284,9 @@
               </a:defRPr>
             </a:lvl1pPr>
           </a:lstStyle>
-          <a:p/>
+          <a:p>
+            <a:endParaRPr/>
+          </a:p>
         </p:txBody>
       </p:sp>
       <p:sp>
@@ -1269,6 +1316,7 @@
           <a:p>
             <a:fld id="{1D8BD707-D9CF-40AE-B4C6-C98DA3205C09}" type="datetimeFigureOut">
               <a:rPr lang="en-US"/>
+              <a:t>8/1/2023</a:t>
             </a:fld>
             <a:endParaRPr lang="en-US"/>
           </a:p>
@@ -1301,6 +1349,7 @@
           <a:p>
             <a:fld id="{B6F15528-21DE-4FAA-801E-634DDDAF4B2B}" type="slidenum">
               <a:rPr/>
+              <a:t>‹#›</a:t>
             </a:fld>
             <a:endParaRPr/>
           </a:p>
@@ -1356,7 +1405,9 @@
               </a:defRPr>
             </a:lvl1pPr>
           </a:lstStyle>
-          <a:p/>
+          <a:p>
+            <a:endParaRPr/>
+          </a:p>
         </p:txBody>
       </p:sp>
       <p:sp>
@@ -1386,6 +1437,7 @@
           <a:p>
             <a:fld id="{1D8BD707-D9CF-40AE-B4C6-C98DA3205C09}" type="datetimeFigureOut">
               <a:rPr lang="en-US"/>
+              <a:t>8/1/2023</a:t>
             </a:fld>
             <a:endParaRPr lang="en-US"/>
           </a:p>
@@ -1418,6 +1470,7 @@
           <a:p>
             <a:fld id="{B6F15528-21DE-4FAA-801E-634DDDAF4B2B}" type="slidenum">
               <a:rPr/>
+              <a:t>‹#›</a:t>
             </a:fld>
             <a:endParaRPr/>
           </a:p>
@@ -1465,10 +1518,9 @@
           <a:lstStyle/>
           <a:p>
             <a:r>
-              <a:rPr lang="en-US" smtClean="0"/>
+              <a:rPr lang="en-US"/>
               <a:t>Click to edit Master title style</a:t>
             </a:r>
-            <a:endParaRPr lang="en-US"/>
           </a:p>
         </p:txBody>
       </p:sp>
@@ -1489,42 +1541,37 @@
           <a:p>
             <a:pPr lvl="0"/>
             <a:r>
-              <a:rPr lang="en-US" smtClean="0"/>
+              <a:rPr lang="en-US"/>
               <a:t>Click to edit Master text styles</a:t>
             </a:r>
-            <a:endParaRPr lang="en-US" smtClean="0"/>
           </a:p>
           <a:p>
             <a:pPr lvl="1"/>
             <a:r>
-              <a:rPr lang="en-US" smtClean="0"/>
+              <a:rPr lang="en-US"/>
               <a:t>Second level</a:t>
             </a:r>
-            <a:endParaRPr lang="en-US" smtClean="0"/>
           </a:p>
           <a:p>
             <a:pPr lvl="2"/>
             <a:r>
-              <a:rPr lang="en-US" smtClean="0"/>
+              <a:rPr lang="en-US"/>
               <a:t>Third level</a:t>
             </a:r>
-            <a:endParaRPr lang="en-US" smtClean="0"/>
           </a:p>
           <a:p>
             <a:pPr lvl="3"/>
             <a:r>
-              <a:rPr lang="en-US" smtClean="0"/>
+              <a:rPr lang="en-US"/>
               <a:t>Fourth level</a:t>
             </a:r>
-            <a:endParaRPr lang="en-US" smtClean="0"/>
           </a:p>
           <a:p>
             <a:pPr lvl="4"/>
             <a:r>
-              <a:rPr lang="en-US" smtClean="0"/>
+              <a:rPr lang="en-US"/>
               <a:t>Fifth level</a:t>
             </a:r>
-            <a:endParaRPr lang="en-US"/>
           </a:p>
         </p:txBody>
       </p:sp>
@@ -1545,6 +1592,7 @@
           <a:p>
             <a:fld id="{1D8BD707-D9CF-40AE-B4C6-C98DA3205C09}" type="datetimeFigureOut">
               <a:rPr lang="en-US"/>
+              <a:t>8/1/2023</a:t>
             </a:fld>
             <a:endParaRPr lang="en-US"/>
           </a:p>
@@ -1564,7 +1612,9 @@
         <p:txBody>
           <a:bodyPr/>
           <a:lstStyle/>
-          <a:p/>
+          <a:p>
+            <a:endParaRPr/>
+          </a:p>
         </p:txBody>
       </p:sp>
       <p:sp>
@@ -1584,6 +1634,7 @@
           <a:p>
             <a:fld id="{B6F15528-21DE-4FAA-801E-634DDDAF4B2B}" type="slidenum">
               <a:rPr/>
+              <a:t>‹#›</a:t>
             </a:fld>
             <a:endParaRPr/>
           </a:p>
@@ -1656,7 +1707,9 @@
               </a:defRPr>
             </a:lvl1pPr>
           </a:lstStyle>
-          <a:p/>
+          <a:p>
+            <a:endParaRPr/>
+          </a:p>
         </p:txBody>
       </p:sp>
       <p:sp>
@@ -1691,7 +1744,9 @@
               </a:defRPr>
             </a:lvl1pPr>
           </a:lstStyle>
-          <a:p/>
+          <a:p>
+            <a:endParaRPr/>
+          </a:p>
         </p:txBody>
       </p:sp>
       <p:sp>
@@ -1728,7 +1783,9 @@
               </a:defRPr>
             </a:lvl1pPr>
           </a:lstStyle>
-          <a:p/>
+          <a:p>
+            <a:endParaRPr/>
+          </a:p>
         </p:txBody>
       </p:sp>
       <p:sp>
@@ -1768,6 +1825,7 @@
           <a:p>
             <a:fld id="{1D8BD707-D9CF-40AE-B4C6-C98DA3205C09}" type="datetimeFigureOut">
               <a:rPr lang="en-US"/>
+              <a:t>8/1/2023</a:t>
             </a:fld>
             <a:endParaRPr lang="en-US"/>
           </a:p>
@@ -1810,6 +1868,7 @@
           <a:p>
             <a:fld id="{B6F15528-21DE-4FAA-801E-634DDDAF4B2B}" type="slidenum">
               <a:rPr/>
+              <a:t>‹#›</a:t>
             </a:fld>
             <a:endParaRPr/>
           </a:p>
@@ -1995,7 +2054,7 @@
           <p:nvPr/>
         </p:nvPicPr>
         <p:blipFill>
-          <a:blip r:embed="rId1" cstate="print"/>
+          <a:blip r:embed="rId2" cstate="print"/>
           <a:stretch>
             <a:fillRect/>
           </a:stretch>
@@ -2156,9 +2215,11 @@
         <p:spPr/>
         <p:txBody>
           <a:bodyPr/>
+          <a:lstStyle/>
           <a:p>
             <a:fld id="{B6F15528-21DE-4FAA-801E-634DDDAF4B2B}" type="slidenum">
               <a:rPr/>
+              <a:t>1</a:t>
             </a:fld>
             <a:endParaRPr/>
           </a:p>
@@ -2358,7 +2419,7 @@
               </a:rPr>
               <a:t>;</a:t>
             </a:r>
-            <a:endParaRPr sz="2400">
+            <a:endParaRPr sz="2400" dirty="0">
               <a:latin typeface="Courier New" panose="02070309020205020404"/>
               <a:cs typeface="Courier New" panose="02070309020205020404"/>
             </a:endParaRPr>
@@ -2372,7 +2433,7 @@
                 <a:spcPts val="40"/>
               </a:spcBef>
             </a:pPr>
-            <a:endParaRPr sz="3050">
+            <a:endParaRPr sz="3050" dirty="0">
               <a:latin typeface="Courier New" panose="02070309020205020404"/>
               <a:cs typeface="Courier New" panose="02070309020205020404"/>
             </a:endParaRPr>
@@ -2563,7 +2624,7 @@
               </a:rPr>
               <a:t>;</a:t>
             </a:r>
-            <a:endParaRPr sz="2400">
+            <a:endParaRPr sz="2400" dirty="0">
               <a:latin typeface="Courier New" panose="02070309020205020404"/>
               <a:cs typeface="Courier New" panose="02070309020205020404"/>
             </a:endParaRPr>
@@ -2587,7 +2648,7 @@
               </a:rPr>
               <a:t>}</a:t>
             </a:r>
-            <a:endParaRPr sz="2400">
+            <a:endParaRPr sz="2400" dirty="0">
               <a:latin typeface="Courier New" panose="02070309020205020404"/>
               <a:cs typeface="Courier New" panose="02070309020205020404"/>
             </a:endParaRPr>
@@ -2798,7 +2859,7 @@
               </a:rPr>
               <a:t>;</a:t>
             </a:r>
-            <a:endParaRPr sz="2400">
+            <a:endParaRPr sz="2400" dirty="0">
               <a:latin typeface="Courier New" panose="02070309020205020404"/>
               <a:cs typeface="Courier New" panose="02070309020205020404"/>
             </a:endParaRPr>
@@ -2822,7 +2883,7 @@
               </a:rPr>
               <a:t>}</a:t>
             </a:r>
-            <a:endParaRPr sz="2400">
+            <a:endParaRPr sz="2400" dirty="0">
               <a:latin typeface="Courier New" panose="02070309020205020404"/>
               <a:cs typeface="Courier New" panose="02070309020205020404"/>
             </a:endParaRPr>
@@ -3066,11 +3127,6 @@
               </a:rPr>
               <a:t>se</a:t>
             </a:r>
-            <a:endParaRPr spc="-70" dirty="0">
-              <a:solidFill>
-                <a:srgbClr val="404040"/>
-              </a:solidFill>
-            </a:endParaRPr>
           </a:p>
         </p:txBody>
       </p:sp>
@@ -3087,9 +3143,11 @@
         <p:spPr/>
         <p:txBody>
           <a:bodyPr/>
+          <a:lstStyle/>
           <a:p>
             <a:fld id="{B6F15528-21DE-4FAA-801E-634DDDAF4B2B}" type="slidenum">
               <a:rPr/>
+              <a:t>10</a:t>
             </a:fld>
             <a:endParaRPr/>
           </a:p>
@@ -3157,7 +3215,6 @@
               <a:rPr dirty="0"/>
               <a:t>Comparing === and ==</a:t>
             </a:r>
-            <a:endParaRPr dirty="0"/>
           </a:p>
         </p:txBody>
       </p:sp>
@@ -3174,9 +3231,11 @@
         <p:spPr/>
         <p:txBody>
           <a:bodyPr/>
+          <a:lstStyle/>
           <a:p>
             <a:fld id="{B6F15528-21DE-4FAA-801E-634DDDAF4B2B}" type="slidenum">
               <a:rPr/>
+              <a:t>11</a:t>
             </a:fld>
             <a:endParaRPr/>
           </a:p>
@@ -3261,9 +3320,11 @@
         <p:spPr/>
         <p:txBody>
           <a:bodyPr/>
+          <a:lstStyle/>
           <a:p>
             <a:fld id="{B6F15528-21DE-4FAA-801E-634DDDAF4B2B}" type="slidenum">
               <a:rPr/>
+              <a:t>12</a:t>
             </a:fld>
             <a:endParaRPr/>
           </a:p>
@@ -3286,7 +3347,14 @@
         <p:cNvGrpSpPr/>
         <p:nvPr/>
       </p:nvGrpSpPr>
-      <p:grpSpPr/>
+      <p:grpSpPr>
+        <a:xfrm>
+          <a:off x="0" y="0"/>
+          <a:ext cx="0" cy="0"/>
+          <a:chOff x="0" y="0"/>
+          <a:chExt cx="0" cy="0"/>
+        </a:xfrm>
+      </p:grpSpPr>
       <p:sp>
         <p:nvSpPr>
           <p:cNvPr id="4" name="Slide Number Placeholder 3"/>
@@ -3305,9 +3373,11 @@
         </p:spPr>
         <p:txBody>
           <a:bodyPr/>
+          <a:lstStyle/>
           <a:p>
             <a:fld id="{B6F15528-21DE-4FAA-801E-634DDDAF4B2B}" type="slidenum">
               <a:rPr/>
+              <a:t>13</a:t>
             </a:fld>
             <a:endParaRPr/>
           </a:p>
@@ -3327,12 +3397,12 @@
           <a:graphicData uri="http://schemas.openxmlformats.org/presentationml/2006/ole">
             <mc:AlternateContent xmlns:mc="http://schemas.openxmlformats.org/markup-compatibility/2006">
               <mc:Choice xmlns:v="urn:schemas-microsoft-com:vml" Requires="v">
-                <p:oleObj spid="_x0000_s6" name="" r:id="rId1" imgW="10506075" imgH="5324475" progId="Paint.Picture">
+                <p:oleObj r:id="rId2" imgW="10506075" imgH="5324475" progId="Paint.Picture">
                   <p:embed/>
                 </p:oleObj>
               </mc:Choice>
               <mc:Fallback>
-                <p:oleObj name="" r:id="rId1" imgW="10506075" imgH="5324475" progId="Paint.Picture">
+                <p:oleObj r:id="rId2" imgW="10506075" imgH="5324475" progId="Paint.Picture">
                   <p:embed/>
                   <p:pic>
                     <p:nvPicPr>
@@ -3341,7 +3411,7 @@
                       <p:nvPr/>
                     </p:nvPicPr>
                     <p:blipFill>
-                      <a:blip r:embed="rId2"/>
+                      <a:blip r:embed="rId3"/>
                       <a:stretch>
                         <a:fillRect/>
                       </a:stretch>
@@ -3441,9 +3511,11 @@
         <p:spPr/>
         <p:txBody>
           <a:bodyPr/>
+          <a:lstStyle/>
           <a:p>
             <a:fld id="{B6F15528-21DE-4FAA-801E-634DDDAF4B2B}" type="slidenum">
               <a:rPr/>
+              <a:t>14</a:t>
             </a:fld>
             <a:endParaRPr/>
           </a:p>
@@ -3523,7 +3595,6 @@
               <a:rPr spc="-15" dirty="0"/>
               <a:t>for()</a:t>
             </a:r>
-            <a:endParaRPr spc="-15" dirty="0"/>
           </a:p>
         </p:txBody>
       </p:sp>
@@ -3540,9 +3611,11 @@
         <p:spPr/>
         <p:txBody>
           <a:bodyPr/>
+          <a:lstStyle/>
           <a:p>
             <a:fld id="{B6F15528-21DE-4FAA-801E-634DDDAF4B2B}" type="slidenum">
               <a:rPr/>
+              <a:t>15</a:t>
             </a:fld>
             <a:endParaRPr/>
           </a:p>
@@ -3963,11 +4036,6 @@
               </a:rPr>
               <a:t>Loop</a:t>
             </a:r>
-            <a:endParaRPr spc="135" dirty="0">
-              <a:solidFill>
-                <a:srgbClr val="404040"/>
-              </a:solidFill>
-            </a:endParaRPr>
           </a:p>
         </p:txBody>
       </p:sp>
@@ -3984,9 +4052,11 @@
         <p:spPr/>
         <p:txBody>
           <a:bodyPr/>
+          <a:lstStyle/>
           <a:p>
             <a:fld id="{B6F15528-21DE-4FAA-801E-634DDDAF4B2B}" type="slidenum">
               <a:rPr/>
+              <a:t>16</a:t>
             </a:fld>
             <a:endParaRPr/>
           </a:p>
@@ -4066,7 +4136,6 @@
               <a:rPr spc="-25" dirty="0"/>
               <a:t>while()</a:t>
             </a:r>
-            <a:endParaRPr spc="-25" dirty="0"/>
           </a:p>
         </p:txBody>
       </p:sp>
@@ -4083,9 +4152,11 @@
         <p:spPr/>
         <p:txBody>
           <a:bodyPr/>
+          <a:lstStyle/>
           <a:p>
             <a:fld id="{B6F15528-21DE-4FAA-801E-634DDDAF4B2B}" type="slidenum">
               <a:rPr/>
+              <a:t>17</a:t>
             </a:fld>
             <a:endParaRPr/>
           </a:p>
@@ -4521,11 +4592,6 @@
               </a:rPr>
               <a:t>Loop</a:t>
             </a:r>
-            <a:endParaRPr spc="135" dirty="0">
-              <a:solidFill>
-                <a:srgbClr val="404040"/>
-              </a:solidFill>
-            </a:endParaRPr>
           </a:p>
         </p:txBody>
       </p:sp>
@@ -4542,9 +4608,11 @@
         <p:spPr/>
         <p:txBody>
           <a:bodyPr/>
+          <a:lstStyle/>
           <a:p>
             <a:fld id="{B6F15528-21DE-4FAA-801E-634DDDAF4B2B}" type="slidenum">
               <a:rPr/>
+              <a:t>18</a:t>
             </a:fld>
             <a:endParaRPr/>
           </a:p>
@@ -4629,9 +4697,11 @@
         <p:spPr/>
         <p:txBody>
           <a:bodyPr/>
+          <a:lstStyle/>
           <a:p>
             <a:fld id="{B6F15528-21DE-4FAA-801E-634DDDAF4B2B}" type="slidenum">
               <a:rPr/>
+              <a:t>19</a:t>
             </a:fld>
             <a:endParaRPr/>
           </a:p>
@@ -4669,7 +4739,7 @@
           <p:nvPr/>
         </p:nvPicPr>
         <p:blipFill>
-          <a:blip r:embed="rId1" cstate="print"/>
+          <a:blip r:embed="rId2" cstate="print"/>
           <a:stretch>
             <a:fillRect/>
           </a:stretch>
@@ -4743,9 +4813,11 @@
         <p:spPr/>
         <p:txBody>
           <a:bodyPr/>
+          <a:lstStyle/>
           <a:p>
             <a:fld id="{B6F15528-21DE-4FAA-801E-634DDDAF4B2B}" type="slidenum">
               <a:rPr/>
+              <a:t>2</a:t>
             </a:fld>
             <a:endParaRPr/>
           </a:p>
@@ -4765,12 +4837,12 @@
           <a:graphicData uri="http://schemas.openxmlformats.org/presentationml/2006/ole">
             <mc:AlternateContent xmlns:mc="http://schemas.openxmlformats.org/markup-compatibility/2006">
               <mc:Choice xmlns:v="urn:schemas-microsoft-com:vml" Requires="v">
-                <p:oleObj spid="_x0000_s10" name="" r:id="rId2" imgW="4162425" imgH="3019425" progId="Paint.Picture">
+                <p:oleObj r:id="rId3" imgW="4162425" imgH="3019425" progId="Paint.Picture">
                   <p:embed/>
                 </p:oleObj>
               </mc:Choice>
               <mc:Fallback>
-                <p:oleObj name="" r:id="rId2" imgW="4162425" imgH="3019425" progId="Paint.Picture">
+                <p:oleObj r:id="rId3" imgW="4162425" imgH="3019425" progId="Paint.Picture">
                   <p:embed/>
                   <p:pic>
                     <p:nvPicPr>
@@ -4779,7 +4851,7 @@
                       <p:nvPr/>
                     </p:nvPicPr>
                     <p:blipFill>
-                      <a:blip r:embed="rId3"/>
+                      <a:blip r:embed="rId4"/>
                       <a:stretch>
                         <a:fillRect/>
                       </a:stretch>
@@ -4817,7 +4889,14 @@
         <p:cNvGrpSpPr/>
         <p:nvPr/>
       </p:nvGrpSpPr>
-      <p:grpSpPr/>
+      <p:grpSpPr>
+        <a:xfrm>
+          <a:off x="0" y="0"/>
+          <a:ext cx="0" cy="0"/>
+          <a:chOff x="0" y="0"/>
+          <a:chExt cx="0" cy="0"/>
+        </a:xfrm>
+      </p:grpSpPr>
       <p:sp>
         <p:nvSpPr>
           <p:cNvPr id="4" name="Slide Number Placeholder 3"/>
@@ -4836,9 +4915,11 @@
         </p:spPr>
         <p:txBody>
           <a:bodyPr/>
+          <a:lstStyle/>
           <a:p>
             <a:fld id="{B6F15528-21DE-4FAA-801E-634DDDAF4B2B}" type="slidenum">
               <a:rPr/>
+              <a:t>20</a:t>
             </a:fld>
             <a:endParaRPr/>
           </a:p>
@@ -4858,12 +4939,12 @@
           <a:graphicData uri="http://schemas.openxmlformats.org/presentationml/2006/ole">
             <mc:AlternateContent xmlns:mc="http://schemas.openxmlformats.org/markup-compatibility/2006">
               <mc:Choice xmlns:v="urn:schemas-microsoft-com:vml" Requires="v">
-                <p:oleObj spid="_x0000_s6" name="" r:id="rId1" imgW="10363200" imgH="5010150" progId="Paint.Picture">
+                <p:oleObj r:id="rId2" imgW="10363200" imgH="5010150" progId="Paint.Picture">
                   <p:embed/>
                 </p:oleObj>
               </mc:Choice>
               <mc:Fallback>
-                <p:oleObj name="" r:id="rId1" imgW="10363200" imgH="5010150" progId="Paint.Picture">
+                <p:oleObj r:id="rId2" imgW="10363200" imgH="5010150" progId="Paint.Picture">
                   <p:embed/>
                   <p:pic>
                     <p:nvPicPr>
@@ -4872,7 +4953,7 @@
                       <p:nvPr/>
                     </p:nvPicPr>
                     <p:blipFill>
-                      <a:blip r:embed="rId2"/>
+                      <a:blip r:embed="rId3"/>
                       <a:stretch>
                         <a:fillRect/>
                       </a:stretch>
@@ -4925,7 +5006,7 @@
           <p:nvPr/>
         </p:nvPicPr>
         <p:blipFill>
-          <a:blip r:embed="rId1" cstate="print"/>
+          <a:blip r:embed="rId2" cstate="print"/>
           <a:stretch>
             <a:fillRect/>
           </a:stretch>
@@ -4999,9 +5080,11 @@
         <p:spPr/>
         <p:txBody>
           <a:bodyPr/>
+          <a:lstStyle/>
           <a:p>
             <a:fld id="{B6F15528-21DE-4FAA-801E-634DDDAF4B2B}" type="slidenum">
               <a:rPr/>
+              <a:t>21</a:t>
             </a:fld>
             <a:endParaRPr/>
           </a:p>
@@ -5021,12 +5104,12 @@
           <a:graphicData uri="http://schemas.openxmlformats.org/presentationml/2006/ole">
             <mc:AlternateContent xmlns:mc="http://schemas.openxmlformats.org/markup-compatibility/2006">
               <mc:Choice xmlns:v="urn:schemas-microsoft-com:vml" Requires="v">
-                <p:oleObj spid="_x0000_s9" name="" r:id="rId2" imgW="5524500" imgH="3714750" progId="Paint.Picture">
+                <p:oleObj r:id="rId3" imgW="5524500" imgH="3714750" progId="Paint.Picture">
                   <p:embed/>
                 </p:oleObj>
               </mc:Choice>
               <mc:Fallback>
-                <p:oleObj name="" r:id="rId2" imgW="5524500" imgH="3714750" progId="Paint.Picture">
+                <p:oleObj r:id="rId3" imgW="5524500" imgH="3714750" progId="Paint.Picture">
                   <p:embed/>
                   <p:pic>
                     <p:nvPicPr>
@@ -5035,7 +5118,7 @@
                       <p:nvPr/>
                     </p:nvPicPr>
                     <p:blipFill>
-                      <a:blip r:embed="rId3"/>
+                      <a:blip r:embed="rId4"/>
                       <a:stretch>
                         <a:fillRect/>
                       </a:stretch>
@@ -5088,7 +5171,7 @@
           <p:nvPr/>
         </p:nvPicPr>
         <p:blipFill>
-          <a:blip r:embed="rId1" cstate="print"/>
+          <a:blip r:embed="rId2" cstate="print"/>
           <a:stretch>
             <a:fillRect/>
           </a:stretch>
@@ -5162,9 +5245,11 @@
         <p:spPr/>
         <p:txBody>
           <a:bodyPr/>
+          <a:lstStyle/>
           <a:p>
             <a:fld id="{B6F15528-21DE-4FAA-801E-634DDDAF4B2B}" type="slidenum">
               <a:rPr/>
+              <a:t>22</a:t>
             </a:fld>
             <a:endParaRPr/>
           </a:p>
@@ -5184,12 +5269,12 @@
           <a:graphicData uri="http://schemas.openxmlformats.org/presentationml/2006/ole">
             <mc:AlternateContent xmlns:mc="http://schemas.openxmlformats.org/markup-compatibility/2006">
               <mc:Choice xmlns:v="urn:schemas-microsoft-com:vml" Requires="v">
-                <p:oleObj spid="_x0000_s4" name="" r:id="rId2" imgW="6477000" imgH="5181600" progId="Paint.Picture">
+                <p:oleObj r:id="rId3" imgW="6477000" imgH="5181600" progId="Paint.Picture">
                   <p:embed/>
                 </p:oleObj>
               </mc:Choice>
               <mc:Fallback>
-                <p:oleObj name="" r:id="rId2" imgW="6477000" imgH="5181600" progId="Paint.Picture">
+                <p:oleObj r:id="rId3" imgW="6477000" imgH="5181600" progId="Paint.Picture">
                   <p:embed/>
                   <p:pic>
                     <p:nvPicPr>
@@ -5198,7 +5283,7 @@
                       <p:nvPr/>
                     </p:nvPicPr>
                     <p:blipFill>
-                      <a:blip r:embed="rId3"/>
+                      <a:blip r:embed="rId4"/>
                       <a:stretch>
                         <a:fillRect/>
                       </a:stretch>
@@ -5297,7 +5382,6 @@
               <a:rPr spc="-5" dirty="0"/>
               <a:t>case</a:t>
             </a:r>
-            <a:endParaRPr spc="-5" dirty="0"/>
           </a:p>
         </p:txBody>
       </p:sp>
@@ -5314,9 +5398,11 @@
         <p:spPr/>
         <p:txBody>
           <a:bodyPr/>
+          <a:lstStyle/>
           <a:p>
             <a:fld id="{B6F15528-21DE-4FAA-801E-634DDDAF4B2B}" type="slidenum">
               <a:rPr/>
+              <a:t>23</a:t>
             </a:fld>
             <a:endParaRPr/>
           </a:p>
@@ -5731,17 +5817,7 @@
                 <a:latin typeface="Courier New" panose="02070309020205020404"/>
                 <a:cs typeface="Courier New" panose="02070309020205020404"/>
               </a:rPr>
-              <a:t>);  </a:t>
-            </a:r>
-            <a:r>
-              <a:rPr sz="2000" spc="-5" dirty="0">
-                <a:solidFill>
-                  <a:srgbClr val="393939"/>
-                </a:solidFill>
-                <a:latin typeface="Courier New" panose="02070309020205020404"/>
-                <a:cs typeface="Courier New" panose="02070309020205020404"/>
-              </a:rPr>
-              <a:t>break;</a:t>
+              <a:t>);  break;</a:t>
             </a:r>
             <a:endParaRPr sz="2000">
               <a:latin typeface="Courier New" panose="02070309020205020404"/>
@@ -5806,17 +5882,7 @@
                 <a:latin typeface="Courier New" panose="02070309020205020404"/>
                 <a:cs typeface="Courier New" panose="02070309020205020404"/>
               </a:rPr>
-              <a:t>);  </a:t>
-            </a:r>
-            <a:r>
-              <a:rPr sz="2000" spc="-5" dirty="0">
-                <a:solidFill>
-                  <a:srgbClr val="393939"/>
-                </a:solidFill>
-                <a:latin typeface="Courier New" panose="02070309020205020404"/>
-                <a:cs typeface="Courier New" panose="02070309020205020404"/>
-              </a:rPr>
-              <a:t>break;</a:t>
+              <a:t>);  break;</a:t>
             </a:r>
             <a:endParaRPr sz="2000">
               <a:latin typeface="Courier New" panose="02070309020205020404"/>
@@ -5906,11 +5972,6 @@
               </a:rPr>
               <a:t>Statement</a:t>
             </a:r>
-            <a:endParaRPr spc="-65" dirty="0">
-              <a:solidFill>
-                <a:srgbClr val="404040"/>
-              </a:solidFill>
-            </a:endParaRPr>
           </a:p>
         </p:txBody>
       </p:sp>
@@ -5927,9 +5988,11 @@
         <p:spPr/>
         <p:txBody>
           <a:bodyPr/>
+          <a:lstStyle/>
           <a:p>
             <a:fld id="{B6F15528-21DE-4FAA-801E-634DDDAF4B2B}" type="slidenum">
               <a:rPr/>
+              <a:t>24</a:t>
             </a:fld>
             <a:endParaRPr/>
           </a:p>
@@ -6013,7 +6076,6 @@
               <a:rPr spc="-35" dirty="0"/>
               <a:t>if()</a:t>
             </a:r>
-            <a:endParaRPr spc="-35" dirty="0"/>
           </a:p>
         </p:txBody>
       </p:sp>
@@ -6030,9 +6092,11 @@
         <p:spPr/>
         <p:txBody>
           <a:bodyPr/>
+          <a:lstStyle/>
           <a:p>
             <a:fld id="{B6F15528-21DE-4FAA-801E-634DDDAF4B2B}" type="slidenum">
               <a:rPr/>
+              <a:t>3</a:t>
             </a:fld>
             <a:endParaRPr/>
           </a:p>
@@ -7015,11 +7079,6 @@
               </a:rPr>
               <a:t>Statement</a:t>
             </a:r>
-            <a:endParaRPr spc="-65" dirty="0">
-              <a:solidFill>
-                <a:srgbClr val="404040"/>
-              </a:solidFill>
-            </a:endParaRPr>
           </a:p>
         </p:txBody>
       </p:sp>
@@ -7036,9 +7095,11 @@
         <p:spPr/>
         <p:txBody>
           <a:bodyPr/>
+          <a:lstStyle/>
           <a:p>
             <a:fld id="{B6F15528-21DE-4FAA-801E-634DDDAF4B2B}" type="slidenum">
               <a:rPr/>
+              <a:t>4</a:t>
             </a:fld>
             <a:endParaRPr/>
           </a:p>
@@ -7663,11 +7724,6 @@
               </a:rPr>
               <a:t>Statement</a:t>
             </a:r>
-            <a:endParaRPr spc="-65" dirty="0">
-              <a:solidFill>
-                <a:srgbClr val="404040"/>
-              </a:solidFill>
-            </a:endParaRPr>
           </a:p>
         </p:txBody>
       </p:sp>
@@ -7684,9 +7740,11 @@
         <p:spPr/>
         <p:txBody>
           <a:bodyPr/>
+          <a:lstStyle/>
           <a:p>
             <a:fld id="{B6F15528-21DE-4FAA-801E-634DDDAF4B2B}" type="slidenum">
               <a:rPr/>
+              <a:t>5</a:t>
             </a:fld>
             <a:endParaRPr/>
           </a:p>
@@ -8311,11 +8369,6 @@
               </a:rPr>
               <a:t>Statement</a:t>
             </a:r>
-            <a:endParaRPr spc="-65" dirty="0">
-              <a:solidFill>
-                <a:srgbClr val="404040"/>
-              </a:solidFill>
-            </a:endParaRPr>
           </a:p>
         </p:txBody>
       </p:sp>
@@ -8332,9 +8385,11 @@
         <p:spPr/>
         <p:txBody>
           <a:bodyPr/>
+          <a:lstStyle/>
           <a:p>
             <a:fld id="{B6F15528-21DE-4FAA-801E-634DDDAF4B2B}" type="slidenum">
               <a:rPr/>
+              <a:t>6</a:t>
             </a:fld>
             <a:endParaRPr/>
           </a:p>
@@ -8484,7 +8539,6 @@
               <a:rPr spc="-10" dirty="0"/>
               <a:t>false</a:t>
             </a:r>
-            <a:endParaRPr spc="-10" dirty="0"/>
           </a:p>
           <a:p>
             <a:pPr marR="5080" algn="r">
@@ -8499,7 +8553,6 @@
               <a:rPr spc="245" dirty="0"/>
               <a:t>0</a:t>
             </a:r>
-            <a:endParaRPr spc="245" dirty="0"/>
           </a:p>
           <a:p>
             <a:pPr marR="6985" algn="r">
@@ -8546,7 +8599,6 @@
               <a:rPr spc="-15" dirty="0"/>
               <a:t>strings)</a:t>
             </a:r>
-            <a:endParaRPr spc="-15" dirty="0"/>
           </a:p>
           <a:p>
             <a:pPr marL="2205355" marR="5080" indent="1156970" algn="r">
@@ -8609,7 +8661,6 @@
               <a:rPr spc="130" dirty="0"/>
               <a:t>d</a:t>
             </a:r>
-            <a:endParaRPr spc="130" dirty="0"/>
           </a:p>
           <a:p>
             <a:pPr marR="5080" algn="r">
@@ -8624,7 +8675,6 @@
               <a:rPr spc="60" dirty="0"/>
               <a:t>NaN</a:t>
             </a:r>
-            <a:endParaRPr spc="60" dirty="0"/>
           </a:p>
         </p:txBody>
       </p:sp>
@@ -8823,7 +8873,7 @@
               </a:rPr>
               <a:t>true</a:t>
             </a:r>
-            <a:endParaRPr sz="2800">
+            <a:endParaRPr sz="2800" dirty="0">
               <a:latin typeface="Verdana" panose="020B0604030504040204"/>
               <a:cs typeface="Verdana" panose="020B0604030504040204"/>
             </a:endParaRPr>
@@ -8847,7 +8897,7 @@
               </a:rPr>
               <a:t>0.5</a:t>
             </a:r>
-            <a:endParaRPr sz="2800">
+            <a:endParaRPr sz="2800" dirty="0">
               <a:latin typeface="Verdana" panose="020B0604030504040204"/>
               <a:cs typeface="Verdana" panose="020B0604030504040204"/>
             </a:endParaRPr>
@@ -8871,7 +8921,7 @@
               </a:rPr>
               <a:t>"0"</a:t>
             </a:r>
-            <a:endParaRPr sz="2800">
+            <a:endParaRPr sz="2800" dirty="0">
               <a:latin typeface="Verdana" panose="020B0604030504040204"/>
               <a:cs typeface="Verdana" panose="020B0604030504040204"/>
             </a:endParaRPr>
@@ -9039,11 +9089,6 @@
               </a:rPr>
               <a:t>y</a:t>
             </a:r>
-            <a:endParaRPr spc="-15" dirty="0">
-              <a:solidFill>
-                <a:srgbClr val="404040"/>
-              </a:solidFill>
-            </a:endParaRPr>
           </a:p>
         </p:txBody>
       </p:sp>
@@ -9060,9 +9105,11 @@
         <p:spPr/>
         <p:txBody>
           <a:bodyPr/>
+          <a:lstStyle/>
           <a:p>
             <a:fld id="{B6F15528-21DE-4FAA-801E-634DDDAF4B2B}" type="slidenum">
               <a:rPr/>
+              <a:t>7</a:t>
             </a:fld>
             <a:endParaRPr/>
           </a:p>
@@ -9154,7 +9201,6 @@
               <a:rPr spc="-60" dirty="0"/>
               <a:t>se</a:t>
             </a:r>
-            <a:endParaRPr spc="-60" dirty="0"/>
           </a:p>
         </p:txBody>
       </p:sp>
@@ -9171,9 +9217,11 @@
         <p:spPr/>
         <p:txBody>
           <a:bodyPr/>
+          <a:lstStyle/>
           <a:p>
             <a:fld id="{B6F15528-21DE-4FAA-801E-634DDDAF4B2B}" type="slidenum">
               <a:rPr/>
+              <a:t>8</a:t>
             </a:fld>
             <a:endParaRPr/>
           </a:p>
@@ -9363,7 +9411,7 @@
               </a:rPr>
               <a:t>;</a:t>
             </a:r>
-            <a:endParaRPr sz="2400">
+            <a:endParaRPr sz="2400" dirty="0">
               <a:latin typeface="Courier New" panose="02070309020205020404"/>
               <a:cs typeface="Courier New" panose="02070309020205020404"/>
             </a:endParaRPr>
@@ -9377,7 +9425,7 @@
                 <a:spcPts val="40"/>
               </a:spcBef>
             </a:pPr>
-            <a:endParaRPr sz="3050">
+            <a:endParaRPr sz="3050" dirty="0">
               <a:latin typeface="Courier New" panose="02070309020205020404"/>
               <a:cs typeface="Courier New" panose="02070309020205020404"/>
             </a:endParaRPr>
@@ -9568,7 +9616,7 @@
               </a:rPr>
               <a:t>;</a:t>
             </a:r>
-            <a:endParaRPr sz="2400">
+            <a:endParaRPr sz="2400" dirty="0">
               <a:latin typeface="Courier New" panose="02070309020205020404"/>
               <a:cs typeface="Courier New" panose="02070309020205020404"/>
             </a:endParaRPr>
@@ -9592,7 +9640,7 @@
               </a:rPr>
               <a:t>}</a:t>
             </a:r>
-            <a:endParaRPr sz="2400">
+            <a:endParaRPr sz="2400" dirty="0">
               <a:latin typeface="Courier New" panose="02070309020205020404"/>
               <a:cs typeface="Courier New" panose="02070309020205020404"/>
             </a:endParaRPr>
@@ -9636,7 +9684,7 @@
               </a:rPr>
               <a:t>{</a:t>
             </a:r>
-            <a:endParaRPr sz="2400">
+            <a:endParaRPr sz="2400" dirty="0">
               <a:latin typeface="Courier New" panose="02070309020205020404"/>
               <a:cs typeface="Courier New" panose="02070309020205020404"/>
             </a:endParaRPr>
@@ -9710,7 +9758,7 @@
               </a:rPr>
               <a:t>;</a:t>
             </a:r>
-            <a:endParaRPr sz="2400">
+            <a:endParaRPr sz="2400" dirty="0">
               <a:latin typeface="Courier New" panose="02070309020205020404"/>
               <a:cs typeface="Courier New" panose="02070309020205020404"/>
             </a:endParaRPr>
@@ -9734,7 +9782,7 @@
               </a:rPr>
               <a:t>}</a:t>
             </a:r>
-            <a:endParaRPr sz="2400">
+            <a:endParaRPr sz="2400" dirty="0">
               <a:latin typeface="Courier New" panose="02070309020205020404"/>
               <a:cs typeface="Courier New" panose="02070309020205020404"/>
             </a:endParaRPr>
@@ -9866,7 +9914,7 @@
               </a:rPr>
               <a:t>7</a:t>
             </a:r>
-            <a:endParaRPr sz="2400">
+            <a:endParaRPr sz="2400" dirty="0">
               <a:latin typeface="Courier New" panose="02070309020205020404"/>
               <a:cs typeface="Courier New" panose="02070309020205020404"/>
             </a:endParaRPr>
@@ -9978,11 +10026,6 @@
               </a:rPr>
               <a:t>se</a:t>
             </a:r>
-            <a:endParaRPr spc="-70" dirty="0">
-              <a:solidFill>
-                <a:srgbClr val="404040"/>
-              </a:solidFill>
-            </a:endParaRPr>
           </a:p>
         </p:txBody>
       </p:sp>
@@ -9999,9 +10042,11 @@
         <p:spPr/>
         <p:txBody>
           <a:bodyPr/>
+          <a:lstStyle/>
           <a:p>
             <a:fld id="{B6F15528-21DE-4FAA-801E-634DDDAF4B2B}" type="slidenum">
               <a:rPr/>
+              <a:t>9</a:t>
             </a:fld>
             <a:endParaRPr/>
           </a:p>
@@ -10293,6 +10338,8 @@
       </a:bgFillStyleLst>
     </a:fmtScheme>
   </a:themeElements>
+  <a:objectDefaults/>
+  <a:extraClrSchemeLst/>
   <a:extLst>
     <a:ext uri="{05A4C25C-085E-4340-85A3-A5531E510DB2}">
       <thm15:themeFamily xmlns:thm15="http://schemas.microsoft.com/office/thememl/2012/main" name="Office Theme" id="{62F939B6-93AF-4DB8-9C6B-D6C7DFDC589F}" vid="{4A3C46E8-61CC-4603-A589-7422A47A8E4A}"/>
@@ -10552,6 +10599,8 @@
       </a:bgFillStyleLst>
     </a:fmtScheme>
   </a:themeElements>
+  <a:objectDefaults/>
+  <a:extraClrSchemeLst/>
   <a:extLst>
     <a:ext uri="{05A4C25C-085E-4340-85A3-A5531E510DB2}">
       <thm15:themeFamily xmlns:thm15="http://schemas.microsoft.com/office/thememl/2012/main" name="Office Theme" id="{62F939B6-93AF-4DB8-9C6B-D6C7DFDC589F}" vid="{4A3C46E8-61CC-4603-A589-7422A47A8E4A}"/>
